--- a/Presentations/Wiki Gaming week 2.pptx
+++ b/Presentations/Wiki Gaming week 2.pptx
@@ -275,7 +275,7 @@
           <a:p>
             <a:fld id="{02AC24A9-CCB6-4F8D-B8DB-C2F3692CFA5A}" type="datetimeFigureOut">
               <a:rPr lang="en-US" smtClean="0"/>
-              <a:t>3/24/2024</a:t>
+              <a:t>3/25/2024</a:t>
             </a:fld>
             <a:endParaRPr lang="en-US" dirty="0"/>
           </a:p>
@@ -645,7 +645,7 @@
           <a:p>
             <a:fld id="{02AC24A9-CCB6-4F8D-B8DB-C2F3692CFA5A}" type="datetimeFigureOut">
               <a:rPr lang="en-US" smtClean="0"/>
-              <a:t>3/24/2024</a:t>
+              <a:t>3/25/2024</a:t>
             </a:fld>
             <a:endParaRPr lang="en-US"/>
           </a:p>
@@ -854,7 +854,7 @@
           <a:p>
             <a:fld id="{02AC24A9-CCB6-4F8D-B8DB-C2F3692CFA5A}" type="datetimeFigureOut">
               <a:rPr lang="en-US" smtClean="0"/>
-              <a:t>3/24/2024</a:t>
+              <a:t>3/25/2024</a:t>
             </a:fld>
             <a:endParaRPr lang="en-US"/>
           </a:p>
@@ -1324,7 +1324,7 @@
           <a:p>
             <a:fld id="{02AC24A9-CCB6-4F8D-B8DB-C2F3692CFA5A}" type="datetimeFigureOut">
               <a:rPr lang="en-US" smtClean="0"/>
-              <a:t>3/24/2024</a:t>
+              <a:t>3/25/2024</a:t>
             </a:fld>
             <a:endParaRPr lang="en-US"/>
           </a:p>
@@ -1778,7 +1778,7 @@
           <a:p>
             <a:fld id="{02AC24A9-CCB6-4F8D-B8DB-C2F3692CFA5A}" type="datetimeFigureOut">
               <a:rPr lang="en-US" smtClean="0"/>
-              <a:t>3/24/2024</a:t>
+              <a:t>3/25/2024</a:t>
             </a:fld>
             <a:endParaRPr lang="en-US"/>
           </a:p>
@@ -2310,7 +2310,7 @@
           <a:p>
             <a:fld id="{02AC24A9-CCB6-4F8D-B8DB-C2F3692CFA5A}" type="datetimeFigureOut">
               <a:rPr lang="en-US" smtClean="0"/>
-              <a:t>3/24/2024</a:t>
+              <a:t>3/25/2024</a:t>
             </a:fld>
             <a:endParaRPr lang="en-US"/>
           </a:p>
@@ -3009,7 +3009,7 @@
           <a:p>
             <a:fld id="{02AC24A9-CCB6-4F8D-B8DB-C2F3692CFA5A}" type="datetimeFigureOut">
               <a:rPr lang="en-US" smtClean="0"/>
-              <a:t>3/24/2024</a:t>
+              <a:t>3/25/2024</a:t>
             </a:fld>
             <a:endParaRPr lang="en-US"/>
           </a:p>
@@ -3338,7 +3338,7 @@
           <a:p>
             <a:fld id="{02AC24A9-CCB6-4F8D-B8DB-C2F3692CFA5A}" type="datetimeFigureOut">
               <a:rPr lang="en-US" smtClean="0"/>
-              <a:t>3/24/2024</a:t>
+              <a:t>3/25/2024</a:t>
             </a:fld>
             <a:endParaRPr lang="en-US"/>
           </a:p>
@@ -3451,7 +3451,7 @@
           <a:p>
             <a:fld id="{02AC24A9-CCB6-4F8D-B8DB-C2F3692CFA5A}" type="datetimeFigureOut">
               <a:rPr lang="en-US" smtClean="0"/>
-              <a:t>3/24/2024</a:t>
+              <a:t>3/25/2024</a:t>
             </a:fld>
             <a:endParaRPr lang="en-US"/>
           </a:p>
@@ -3946,7 +3946,7 @@
           <a:p>
             <a:fld id="{02AC24A9-CCB6-4F8D-B8DB-C2F3692CFA5A}" type="datetimeFigureOut">
               <a:rPr lang="en-US" smtClean="0"/>
-              <a:t>3/24/2024</a:t>
+              <a:t>3/25/2024</a:t>
             </a:fld>
             <a:endParaRPr lang="en-US" dirty="0"/>
           </a:p>
@@ -4423,7 +4423,7 @@
           <a:p>
             <a:fld id="{02AC24A9-CCB6-4F8D-B8DB-C2F3692CFA5A}" type="datetimeFigureOut">
               <a:rPr lang="en-US" smtClean="0"/>
-              <a:t>3/24/2024</a:t>
+              <a:t>3/25/2024</a:t>
             </a:fld>
             <a:endParaRPr lang="en-US"/>
           </a:p>
@@ -4666,7 +4666,7 @@
           <a:p>
             <a:fld id="{02AC24A9-CCB6-4F8D-B8DB-C2F3692CFA5A}" type="datetimeFigureOut">
               <a:rPr lang="en-US" smtClean="0"/>
-              <a:t>3/24/2024</a:t>
+              <a:t>3/25/2024</a:t>
             </a:fld>
             <a:endParaRPr lang="en-US"/>
           </a:p>
@@ -6762,20 +6762,59 @@
           <a:lstStyle/>
           <a:p>
             <a:r>
-              <a:rPr lang="en-US" sz="1800" dirty="0"/>
+              <a:rPr lang="en-US" sz="1800" dirty="0">
+                <a:latin typeface="Lato Extended"/>
+              </a:rPr>
+              <a:t>Requirement</a:t>
+            </a:r>
+          </a:p>
+          <a:p>
+            <a:pPr lvl="1"/>
+            <a:r>
+              <a:rPr lang="en-US" sz="1400" b="0" i="0" dirty="0">
+                <a:solidFill>
+                  <a:srgbClr val="000000"/>
+                </a:solidFill>
+                <a:effectLst/>
+                <a:latin typeface="Lato Extended"/>
+              </a:rPr>
+              <a:t>As a User, I want to see a Game Catalog, so I can browse what games are out.</a:t>
+            </a:r>
+            <a:endParaRPr lang="en-US" sz="1400" dirty="0">
+              <a:latin typeface="Lato Extended"/>
+            </a:endParaRPr>
+          </a:p>
+          <a:p>
+            <a:r>
+              <a:rPr lang="en-US" sz="1800" dirty="0">
+                <a:latin typeface="Lato Extended"/>
+              </a:rPr>
               <a:t>Lines of Code: 19</a:t>
             </a:r>
           </a:p>
           <a:p>
-            <a:r>
-              <a:rPr lang="en-US" sz="1800" dirty="0"/>
+            <a:pPr lvl="1"/>
+            <a:r>
+              <a:rPr lang="en-US" sz="1400" dirty="0">
+                <a:latin typeface="Lato Extended"/>
+              </a:rPr>
+              <a:t>Issues with running Riki</a:t>
+            </a:r>
+          </a:p>
+          <a:p>
+            <a:r>
+              <a:rPr lang="en-US" sz="1800" dirty="0">
+                <a:latin typeface="Lato Extended"/>
+              </a:rPr>
+              <a:t>Tests: 0</a:t>
+            </a:r>
+          </a:p>
+          <a:p>
+            <a:r>
+              <a:rPr lang="en-US" sz="1800" dirty="0">
+                <a:latin typeface="Lato Extended"/>
+              </a:rPr>
               <a:t>Burndown: 15%</a:t>
-            </a:r>
-          </a:p>
-          <a:p>
-            <a:r>
-              <a:rPr lang="en-US" sz="1800" dirty="0"/>
-              <a:t>Issues with running Riki</a:t>
             </a:r>
           </a:p>
         </p:txBody>
@@ -7842,20 +7881,59 @@
           <a:lstStyle/>
           <a:p>
             <a:r>
-              <a:rPr lang="en-US" sz="1800" dirty="0"/>
+              <a:rPr lang="en-US" sz="1800" dirty="0">
+                <a:latin typeface="Lato Extended"/>
+              </a:rPr>
+              <a:t>Requirement</a:t>
+            </a:r>
+          </a:p>
+          <a:p>
+            <a:pPr lvl="1"/>
+            <a:r>
+              <a:rPr lang="en-US" sz="1400" b="0" i="0" dirty="0">
+                <a:solidFill>
+                  <a:srgbClr val="000000"/>
+                </a:solidFill>
+                <a:effectLst/>
+                <a:latin typeface="Lato Extended"/>
+              </a:rPr>
+              <a:t>As a User, I want to be able to see Game Forms, so that I can know what these games are about.</a:t>
+            </a:r>
+            <a:endParaRPr lang="en-US" sz="1400" dirty="0">
+              <a:latin typeface="Lato Extended"/>
+            </a:endParaRPr>
+          </a:p>
+          <a:p>
+            <a:r>
+              <a:rPr lang="en-US" sz="1800" dirty="0">
+                <a:latin typeface="Lato Extended"/>
+              </a:rPr>
               <a:t>Lines of Code: 34</a:t>
             </a:r>
           </a:p>
           <a:p>
-            <a:r>
-              <a:rPr lang="en-US" sz="1800" dirty="0"/>
+            <a:pPr lvl="1"/>
+            <a:r>
+              <a:rPr lang="en-US" sz="1400" dirty="0">
+                <a:latin typeface="Lato Extended"/>
+              </a:rPr>
+              <a:t>Issues with running Riki</a:t>
+            </a:r>
+          </a:p>
+          <a:p>
+            <a:r>
+              <a:rPr lang="en-US" sz="1800" dirty="0">
+                <a:latin typeface="Lato Extended"/>
+              </a:rPr>
+              <a:t>Tests: 0</a:t>
+            </a:r>
+          </a:p>
+          <a:p>
+            <a:r>
+              <a:rPr lang="en-US" sz="1800" dirty="0">
+                <a:latin typeface="Lato Extended"/>
+              </a:rPr>
               <a:t>Burndown: 10%</a:t>
-            </a:r>
-          </a:p>
-          <a:p>
-            <a:r>
-              <a:rPr lang="en-US" sz="1800" dirty="0"/>
-              <a:t>Issues with running Riki</a:t>
             </a:r>
           </a:p>
         </p:txBody>
@@ -8892,20 +8970,59 @@
           <a:lstStyle/>
           <a:p>
             <a:r>
-              <a:rPr lang="en-US" sz="1800" dirty="0"/>
+              <a:rPr lang="en-US" sz="1800" dirty="0">
+                <a:latin typeface="Lato Extended"/>
+              </a:rPr>
+              <a:t>Requirements</a:t>
+            </a:r>
+          </a:p>
+          <a:p>
+            <a:pPr lvl="1"/>
+            <a:r>
+              <a:rPr lang="en-US" sz="1400" b="0" i="0" dirty="0">
+                <a:solidFill>
+                  <a:srgbClr val="000000"/>
+                </a:solidFill>
+                <a:effectLst/>
+                <a:latin typeface="Lato Extended"/>
+              </a:rPr>
+              <a:t>As a User, I want to be able to speak to others, so that I can know what others think about these games.</a:t>
+            </a:r>
+            <a:endParaRPr lang="en-US" sz="1400" dirty="0">
+              <a:latin typeface="Lato Extended"/>
+            </a:endParaRPr>
+          </a:p>
+          <a:p>
+            <a:r>
+              <a:rPr lang="en-US" sz="1800" dirty="0">
+                <a:latin typeface="Lato Extended"/>
+              </a:rPr>
               <a:t>No Update</a:t>
             </a:r>
           </a:p>
           <a:p>
-            <a:r>
-              <a:rPr lang="en-US" sz="1800" dirty="0"/>
+            <a:pPr lvl="1"/>
+            <a:r>
+              <a:rPr lang="en-US" sz="1400" dirty="0">
+                <a:latin typeface="Lato Extended"/>
+              </a:rPr>
+              <a:t>Issues with running Riki</a:t>
+            </a:r>
+          </a:p>
+          <a:p>
+            <a:r>
+              <a:rPr lang="en-US" sz="1800" dirty="0">
+                <a:latin typeface="Lato Extended"/>
+              </a:rPr>
+              <a:t>Tests: 0</a:t>
+            </a:r>
+          </a:p>
+          <a:p>
+            <a:r>
+              <a:rPr lang="en-US" sz="1800" dirty="0">
+                <a:latin typeface="Lato Extended"/>
+              </a:rPr>
               <a:t>Burndown: 0%</a:t>
-            </a:r>
-          </a:p>
-          <a:p>
-            <a:r>
-              <a:rPr lang="en-US" sz="1800" dirty="0"/>
-              <a:t>Issues with running Riki</a:t>
             </a:r>
           </a:p>
         </p:txBody>
@@ -9942,13 +10059,58 @@
           <a:lstStyle/>
           <a:p>
             <a:r>
-              <a:rPr lang="en-US" sz="1800" dirty="0"/>
+              <a:rPr lang="en-US" sz="1800" dirty="0">
+                <a:latin typeface="Lato Extended"/>
+              </a:rPr>
+              <a:t>Requirements</a:t>
+            </a:r>
+          </a:p>
+          <a:p>
+            <a:pPr lvl="1"/>
+            <a:r>
+              <a:rPr lang="en-US" sz="1400" b="0" i="0" dirty="0">
+                <a:solidFill>
+                  <a:srgbClr val="000000"/>
+                </a:solidFill>
+                <a:effectLst/>
+                <a:latin typeface="Lato Extended"/>
+              </a:rPr>
+              <a:t>As a User, I want a User Profile, so that I can know what I have said and save what I am interested in.</a:t>
+            </a:r>
+            <a:endParaRPr lang="en-US" sz="1400" dirty="0">
+              <a:latin typeface="Lato Extended"/>
+            </a:endParaRPr>
+          </a:p>
+          <a:p>
+            <a:r>
+              <a:rPr lang="en-US" sz="1800" dirty="0">
+                <a:latin typeface="Lato Extended"/>
+              </a:rPr>
               <a:t>No Update</a:t>
             </a:r>
           </a:p>
           <a:p>
-            <a:r>
-              <a:rPr lang="en-US" sz="1800" dirty="0"/>
+            <a:pPr lvl="1"/>
+            <a:r>
+              <a:rPr lang="en-US" sz="1400" dirty="0">
+                <a:latin typeface="Lato Extended"/>
+              </a:rPr>
+              <a:t>Not enough hours</a:t>
+            </a:r>
+          </a:p>
+          <a:p>
+            <a:r>
+              <a:rPr lang="en-US" sz="1800" dirty="0">
+                <a:latin typeface="Lato Extended"/>
+              </a:rPr>
+              <a:t>Tests: 0</a:t>
+            </a:r>
+          </a:p>
+          <a:p>
+            <a:r>
+              <a:rPr lang="en-US" sz="1800" dirty="0">
+                <a:latin typeface="Lato Extended"/>
+              </a:rPr>
               <a:t>Burndown: 0%</a:t>
             </a:r>
           </a:p>
@@ -10986,20 +11148,59 @@
           <a:lstStyle/>
           <a:p>
             <a:r>
-              <a:rPr lang="en-US" sz="1800" dirty="0"/>
+              <a:rPr lang="en-US" sz="1800" dirty="0">
+                <a:latin typeface="Lato Extended"/>
+              </a:rPr>
+              <a:t>Requirements</a:t>
+            </a:r>
+          </a:p>
+          <a:p>
+            <a:pPr lvl="1"/>
+            <a:r>
+              <a:rPr lang="en-US" sz="1400" b="0" i="0" dirty="0">
+                <a:solidFill>
+                  <a:srgbClr val="000000"/>
+                </a:solidFill>
+                <a:effectLst/>
+                <a:latin typeface="Lato Extended"/>
+              </a:rPr>
+              <a:t>As a User, I want to vote on games and comments, so that I can say what I enjoy and see what others also enjoy.</a:t>
+            </a:r>
+            <a:endParaRPr lang="en-US" sz="1400" dirty="0">
+              <a:latin typeface="Lato Extended"/>
+            </a:endParaRPr>
+          </a:p>
+          <a:p>
+            <a:r>
+              <a:rPr lang="en-US" sz="1800" dirty="0">
+                <a:latin typeface="Lato Extended"/>
+              </a:rPr>
               <a:t>No Update</a:t>
             </a:r>
           </a:p>
           <a:p>
-            <a:r>
-              <a:rPr lang="en-US" sz="1800" dirty="0"/>
+            <a:pPr lvl="1"/>
+            <a:r>
+              <a:rPr lang="en-US" sz="1400" dirty="0">
+                <a:latin typeface="Lato Extended"/>
+              </a:rPr>
+              <a:t>Issues with running Riki</a:t>
+            </a:r>
+          </a:p>
+          <a:p>
+            <a:r>
+              <a:rPr lang="en-US" sz="1800" dirty="0">
+                <a:latin typeface="Lato Extended"/>
+              </a:rPr>
+              <a:t>Tests: 0</a:t>
+            </a:r>
+          </a:p>
+          <a:p>
+            <a:r>
+              <a:rPr lang="en-US" sz="1800" dirty="0">
+                <a:latin typeface="Lato Extended"/>
+              </a:rPr>
               <a:t>Burndown: 0%</a:t>
-            </a:r>
-          </a:p>
-          <a:p>
-            <a:r>
-              <a:rPr lang="en-US" sz="1800" dirty="0"/>
-              <a:t>Issues with running Riki</a:t>
             </a:r>
           </a:p>
         </p:txBody>
@@ -12117,13 +12318,52 @@
           <a:lstStyle/>
           <a:p>
             <a:r>
-              <a:rPr lang="en-US" sz="1800" dirty="0"/>
+              <a:rPr lang="en-US" sz="1800" dirty="0">
+                <a:latin typeface="Lato Extended"/>
+              </a:rPr>
+              <a:t>Requirements</a:t>
+            </a:r>
+            <a:endParaRPr lang="en-US" sz="1100" dirty="0">
+              <a:latin typeface="Lato Extended"/>
+            </a:endParaRPr>
+          </a:p>
+          <a:p>
+            <a:pPr lvl="1"/>
+            <a:r>
+              <a:rPr lang="en-US" sz="1400" b="0" i="0" dirty="0">
+                <a:solidFill>
+                  <a:srgbClr val="000000"/>
+                </a:solidFill>
+                <a:effectLst/>
+                <a:latin typeface="Lato Extended"/>
+              </a:rPr>
+              <a:t>As a User, I want a market system, so that I can quickly buy games that I find interesting.</a:t>
+            </a:r>
+            <a:endParaRPr lang="en-US" sz="1400" dirty="0">
+              <a:latin typeface="Lato Extended"/>
+            </a:endParaRPr>
+          </a:p>
+          <a:p>
+            <a:r>
+              <a:rPr lang="en-US" sz="1800" dirty="0">
+                <a:latin typeface="Lato Extended"/>
+              </a:rPr>
               <a:t>Lines of Code: 83</a:t>
             </a:r>
           </a:p>
           <a:p>
             <a:r>
-              <a:rPr lang="en-US" sz="1800" dirty="0"/>
+              <a:rPr lang="en-US" sz="1800" dirty="0">
+                <a:latin typeface="Lato Extended"/>
+              </a:rPr>
+              <a:t>Tests: 0</a:t>
+            </a:r>
+          </a:p>
+          <a:p>
+            <a:r>
+              <a:rPr lang="en-US" sz="1800" dirty="0">
+                <a:latin typeface="Lato Extended"/>
+              </a:rPr>
               <a:t>Burndown: 20%</a:t>
             </a:r>
           </a:p>
@@ -13161,39 +13401,68 @@
           <a:lstStyle/>
           <a:p>
             <a:r>
-              <a:rPr lang="en-US" sz="1800" dirty="0"/>
+              <a:rPr lang="en-US" sz="1800" dirty="0">
+                <a:latin typeface="Lato Extended"/>
+              </a:rPr>
               <a:t>Lines of Code: 136</a:t>
             </a:r>
           </a:p>
           <a:p>
             <a:r>
-              <a:rPr lang="en-US" sz="1800" dirty="0"/>
+              <a:rPr lang="en-US" sz="1800" dirty="0">
+                <a:latin typeface="Lato Extended"/>
+              </a:rPr>
+              <a:t>Tests: 0</a:t>
+            </a:r>
+          </a:p>
+          <a:p>
+            <a:r>
+              <a:rPr lang="en-US" sz="1800" dirty="0">
+                <a:latin typeface="Lato Extended"/>
+              </a:rPr>
               <a:t>Burndown: 10%</a:t>
             </a:r>
           </a:p>
           <a:p>
             <a:r>
-              <a:rPr lang="en-US" sz="1800" dirty="0"/>
+              <a:rPr lang="en-US" sz="1800" dirty="0">
+                <a:latin typeface="Lato Extended"/>
+              </a:rPr>
               <a:t>Milestone 2</a:t>
             </a:r>
           </a:p>
           <a:p>
             <a:pPr lvl="1"/>
             <a:r>
-              <a:rPr lang="en-US" sz="1400" dirty="0"/>
+              <a:rPr lang="en-US" sz="1400" dirty="0">
+                <a:latin typeface="Lato Extended"/>
+              </a:rPr>
               <a:t>Date: 3/31/2024</a:t>
             </a:r>
           </a:p>
           <a:p>
             <a:pPr lvl="1"/>
             <a:r>
-              <a:rPr lang="en-US" sz="1400" dirty="0"/>
+              <a:rPr lang="en-US" sz="1400" dirty="0">
+                <a:latin typeface="Lato Extended"/>
+              </a:rPr>
               <a:t>Goal: Finish creation/clean up of individual features, start implementing features together.</a:t>
             </a:r>
           </a:p>
           <a:p>
             <a:r>
-              <a:rPr lang="en-US" sz="1800" dirty="0"/>
+              <a:rPr lang="en-US" sz="1800" dirty="0">
+                <a:latin typeface="Lato Extended"/>
+              </a:rPr>
+              <a:t>Risks</a:t>
+            </a:r>
+          </a:p>
+          <a:p>
+            <a:pPr lvl="1"/>
+            <a:r>
+              <a:rPr lang="en-US" sz="1400" dirty="0">
+                <a:latin typeface="Lato Extended"/>
+              </a:rPr>
               <a:t>Issues with running Riki</a:t>
             </a:r>
           </a:p>

--- a/Presentations/Wiki Gaming week 2.pptx
+++ b/Presentations/Wiki Gaming week 2.pptx
@@ -6806,7 +6806,7 @@
               <a:rPr lang="en-US" sz="1800" dirty="0">
                 <a:latin typeface="Lato Extended"/>
               </a:rPr>
-              <a:t>Tests: 0</a:t>
+              <a:t>Tests: 0/?</a:t>
             </a:r>
           </a:p>
           <a:p>
@@ -7925,7 +7925,7 @@
               <a:rPr lang="en-US" sz="1800" dirty="0">
                 <a:latin typeface="Lato Extended"/>
               </a:rPr>
-              <a:t>Tests: 0</a:t>
+              <a:t>Tests: 0/?</a:t>
             </a:r>
           </a:p>
           <a:p>
@@ -9014,7 +9014,7 @@
               <a:rPr lang="en-US" sz="1800" dirty="0">
                 <a:latin typeface="Lato Extended"/>
               </a:rPr>
-              <a:t>Tests: 0</a:t>
+              <a:t>Tests: 0/?</a:t>
             </a:r>
           </a:p>
           <a:p>
@@ -10103,7 +10103,7 @@
               <a:rPr lang="en-US" sz="1800" dirty="0">
                 <a:latin typeface="Lato Extended"/>
               </a:rPr>
-              <a:t>Tests: 0</a:t>
+              <a:t>Tests: 0/?</a:t>
             </a:r>
           </a:p>
           <a:p>
@@ -11192,7 +11192,7 @@
               <a:rPr lang="en-US" sz="1800" dirty="0">
                 <a:latin typeface="Lato Extended"/>
               </a:rPr>
-              <a:t>Tests: 0</a:t>
+              <a:t>Tests: 0/?</a:t>
             </a:r>
           </a:p>
           <a:p>
@@ -12356,7 +12356,7 @@
               <a:rPr lang="en-US" sz="1800" dirty="0">
                 <a:latin typeface="Lato Extended"/>
               </a:rPr>
-              <a:t>Tests: 0</a:t>
+              <a:t>Tests: 0/?</a:t>
             </a:r>
           </a:p>
           <a:p>
@@ -13412,7 +13412,7 @@
               <a:rPr lang="en-US" sz="1800" dirty="0">
                 <a:latin typeface="Lato Extended"/>
               </a:rPr>
-              <a:t>Tests: 0</a:t>
+              <a:t>Tests: 0/?</a:t>
             </a:r>
           </a:p>
           <a:p>

--- a/Presentations/Wiki Gaming week 2.pptx
+++ b/Presentations/Wiki Gaming week 2.pptx
@@ -6028,7 +6028,7 @@
         </p:nvSpPr>
         <p:spPr>
           <a:xfrm>
-            <a:off x="8372255" y="6212907"/>
+            <a:off x="8372255" y="6221785"/>
             <a:ext cx="1524001" cy="629718"/>
           </a:xfrm>
           <a:prstGeom prst="roundRect">
@@ -6093,7 +6093,7 @@
         </p:nvSpPr>
         <p:spPr>
           <a:xfrm>
-            <a:off x="9905999" y="6212907"/>
+            <a:off x="9923755" y="6221785"/>
             <a:ext cx="1524001" cy="629718"/>
           </a:xfrm>
           <a:prstGeom prst="roundRect">
@@ -7244,7 +7244,7 @@
         </p:nvSpPr>
         <p:spPr>
           <a:xfrm>
-            <a:off x="8334383" y="6220500"/>
+            <a:off x="8369895" y="6220500"/>
             <a:ext cx="1524001" cy="629718"/>
           </a:xfrm>
           <a:prstGeom prst="roundRect">
@@ -7309,7 +7309,7 @@
         </p:nvSpPr>
         <p:spPr>
           <a:xfrm>
-            <a:off x="9858384" y="6230826"/>
+            <a:off x="9929408" y="6221948"/>
             <a:ext cx="1524001" cy="629718"/>
           </a:xfrm>
           <a:prstGeom prst="roundRect">
@@ -8363,7 +8363,7 @@
         </p:nvSpPr>
         <p:spPr>
           <a:xfrm>
-            <a:off x="8372255" y="6212907"/>
+            <a:off x="8372255" y="6221785"/>
             <a:ext cx="1524001" cy="629718"/>
           </a:xfrm>
           <a:prstGeom prst="roundRect">
@@ -8428,7 +8428,7 @@
         </p:nvSpPr>
         <p:spPr>
           <a:xfrm>
-            <a:off x="9905999" y="6212907"/>
+            <a:off x="9932633" y="6221785"/>
             <a:ext cx="1524001" cy="629718"/>
           </a:xfrm>
           <a:prstGeom prst="roundRect">
@@ -10103,7 +10103,7 @@
               <a:rPr lang="en-US" sz="1800" dirty="0">
                 <a:latin typeface="Lato Extended"/>
               </a:rPr>
-              <a:t>Tests: 0/?</a:t>
+              <a:t>Tests: 0/15</a:t>
             </a:r>
           </a:p>
           <a:p>

--- a/Presentations/Wiki Gaming week 2.pptx
+++ b/Presentations/Wiki Gaming week 2.pptx
@@ -6806,7 +6806,7 @@
               <a:rPr lang="en-US" sz="1800" dirty="0">
                 <a:latin typeface="Lato Extended"/>
               </a:rPr>
-              <a:t>Tests: 0/?</a:t>
+              <a:t>Tests: 0/24</a:t>
             </a:r>
           </a:p>
           <a:p>
@@ -7925,7 +7925,7 @@
               <a:rPr lang="en-US" sz="1800" dirty="0">
                 <a:latin typeface="Lato Extended"/>
               </a:rPr>
-              <a:t>Tests: 0/?</a:t>
+              <a:t>Tests: 0/12</a:t>
             </a:r>
           </a:p>
           <a:p>
@@ -9014,7 +9014,7 @@
               <a:rPr lang="en-US" sz="1800" dirty="0">
                 <a:latin typeface="Lato Extended"/>
               </a:rPr>
-              <a:t>Tests: 0/?</a:t>
+              <a:t>Tests: 0/12</a:t>
             </a:r>
           </a:p>
           <a:p>
@@ -11192,7 +11192,7 @@
               <a:rPr lang="en-US" sz="1800" dirty="0">
                 <a:latin typeface="Lato Extended"/>
               </a:rPr>
-              <a:t>Tests: 0/?</a:t>
+              <a:t>Tests: 0/24</a:t>
             </a:r>
           </a:p>
           <a:p>
@@ -12356,8 +12356,17 @@
               <a:rPr lang="en-US" sz="1800" dirty="0">
                 <a:latin typeface="Lato Extended"/>
               </a:rPr>
-              <a:t>Tests: 0/?</a:t>
-            </a:r>
+              <a:t>Tests</a:t>
+            </a:r>
+            <a:r>
+              <a:rPr lang="en-US" sz="1800">
+                <a:latin typeface="Lato Extended"/>
+              </a:rPr>
+              <a:t>: 0/12</a:t>
+            </a:r>
+            <a:endParaRPr lang="en-US" sz="1800" dirty="0">
+              <a:latin typeface="Lato Extended"/>
+            </a:endParaRPr>
           </a:p>
           <a:p>
             <a:r>
@@ -13412,7 +13421,7 @@
               <a:rPr lang="en-US" sz="1800" dirty="0">
                 <a:latin typeface="Lato Extended"/>
               </a:rPr>
-              <a:t>Tests: 0/?</a:t>
+              <a:t>Tests: 0/99</a:t>
             </a:r>
           </a:p>
           <a:p>

--- a/Presentations/Wiki Gaming week 2.pptx
+++ b/Presentations/Wiki Gaming week 2.pptx
@@ -8997,7 +8997,7 @@
               <a:rPr lang="en-US" sz="1800" dirty="0">
                 <a:latin typeface="Lato Extended"/>
               </a:rPr>
-              <a:t>No Update</a:t>
+              <a:t>Lines of Code: 0</a:t>
             </a:r>
           </a:p>
           <a:p>
@@ -10086,7 +10086,7 @@
               <a:rPr lang="en-US" sz="1800" dirty="0">
                 <a:latin typeface="Lato Extended"/>
               </a:rPr>
-              <a:t>No Update</a:t>
+              <a:t>Lines of Code: 0</a:t>
             </a:r>
           </a:p>
           <a:p>
@@ -11175,7 +11175,7 @@
               <a:rPr lang="en-US" sz="1800" dirty="0">
                 <a:latin typeface="Lato Extended"/>
               </a:rPr>
-              <a:t>No Update</a:t>
+              <a:t>Lines of Code: 0</a:t>
             </a:r>
           </a:p>
           <a:p>
@@ -12356,17 +12356,8 @@
               <a:rPr lang="en-US" sz="1800" dirty="0">
                 <a:latin typeface="Lato Extended"/>
               </a:rPr>
-              <a:t>Tests</a:t>
-            </a:r>
-            <a:r>
-              <a:rPr lang="en-US" sz="1800">
-                <a:latin typeface="Lato Extended"/>
-              </a:rPr>
-              <a:t>: 0/12</a:t>
-            </a:r>
-            <a:endParaRPr lang="en-US" sz="1800" dirty="0">
-              <a:latin typeface="Lato Extended"/>
-            </a:endParaRPr>
+              <a:t>Tests: 0/12</a:t>
+            </a:r>
           </a:p>
           <a:p>
             <a:r>
